--- a/slides/Presentatie Web API's.pptx
+++ b/slides/Presentatie Web API's.pptx
@@ -17,12 +17,10 @@
     <p:sldId id="258" r:id="rId11"/>
     <p:sldId id="268" r:id="rId12"/>
     <p:sldId id="271" r:id="rId13"/>
-    <p:sldId id="273" r:id="rId14"/>
-    <p:sldId id="277" r:id="rId15"/>
+    <p:sldId id="272" r:id="rId14"/>
+    <p:sldId id="276" r:id="rId15"/>
     <p:sldId id="274" r:id="rId16"/>
     <p:sldId id="275" r:id="rId17"/>
-    <p:sldId id="276" r:id="rId18"/>
-    <p:sldId id="272" r:id="rId19"/>
   </p:sldIdLst>
   <p:sldSz cx="12192000" cy="6858000"/>
   <p:notesSz cx="6858000" cy="9144000"/>
@@ -276,7 +274,7 @@
           <a:p>
             <a:fld id="{AD7EFAF3-100B-4256-A6D3-83084E54E267}" type="datetimeFigureOut">
               <a:rPr lang="nl-NL" smtClean="0"/>
-              <a:t>16-2-2019</a:t>
+              <a:t>24-9-2019</a:t>
             </a:fld>
             <a:endParaRPr lang="nl-NL"/>
           </a:p>
@@ -474,7 +472,7 @@
           <a:p>
             <a:fld id="{AD7EFAF3-100B-4256-A6D3-83084E54E267}" type="datetimeFigureOut">
               <a:rPr lang="nl-NL" smtClean="0"/>
-              <a:t>16-2-2019</a:t>
+              <a:t>24-9-2019</a:t>
             </a:fld>
             <a:endParaRPr lang="nl-NL"/>
           </a:p>
@@ -682,7 +680,7 @@
           <a:p>
             <a:fld id="{AD7EFAF3-100B-4256-A6D3-83084E54E267}" type="datetimeFigureOut">
               <a:rPr lang="nl-NL" smtClean="0"/>
-              <a:t>16-2-2019</a:t>
+              <a:t>24-9-2019</a:t>
             </a:fld>
             <a:endParaRPr lang="nl-NL"/>
           </a:p>
@@ -880,7 +878,7 @@
           <a:p>
             <a:fld id="{AD7EFAF3-100B-4256-A6D3-83084E54E267}" type="datetimeFigureOut">
               <a:rPr lang="nl-NL" smtClean="0"/>
-              <a:t>16-2-2019</a:t>
+              <a:t>24-9-2019</a:t>
             </a:fld>
             <a:endParaRPr lang="nl-NL"/>
           </a:p>
@@ -1155,7 +1153,7 @@
           <a:p>
             <a:fld id="{AD7EFAF3-100B-4256-A6D3-83084E54E267}" type="datetimeFigureOut">
               <a:rPr lang="nl-NL" smtClean="0"/>
-              <a:t>16-2-2019</a:t>
+              <a:t>24-9-2019</a:t>
             </a:fld>
             <a:endParaRPr lang="nl-NL"/>
           </a:p>
@@ -1420,7 +1418,7 @@
           <a:p>
             <a:fld id="{AD7EFAF3-100B-4256-A6D3-83084E54E267}" type="datetimeFigureOut">
               <a:rPr lang="nl-NL" smtClean="0"/>
-              <a:t>16-2-2019</a:t>
+              <a:t>24-9-2019</a:t>
             </a:fld>
             <a:endParaRPr lang="nl-NL"/>
           </a:p>
@@ -1832,7 +1830,7 @@
           <a:p>
             <a:fld id="{AD7EFAF3-100B-4256-A6D3-83084E54E267}" type="datetimeFigureOut">
               <a:rPr lang="nl-NL" smtClean="0"/>
-              <a:t>16-2-2019</a:t>
+              <a:t>24-9-2019</a:t>
             </a:fld>
             <a:endParaRPr lang="nl-NL"/>
           </a:p>
@@ -1973,7 +1971,7 @@
           <a:p>
             <a:fld id="{AD7EFAF3-100B-4256-A6D3-83084E54E267}" type="datetimeFigureOut">
               <a:rPr lang="nl-NL" smtClean="0"/>
-              <a:t>16-2-2019</a:t>
+              <a:t>24-9-2019</a:t>
             </a:fld>
             <a:endParaRPr lang="nl-NL"/>
           </a:p>
@@ -2086,7 +2084,7 @@
           <a:p>
             <a:fld id="{AD7EFAF3-100B-4256-A6D3-83084E54E267}" type="datetimeFigureOut">
               <a:rPr lang="nl-NL" smtClean="0"/>
-              <a:t>16-2-2019</a:t>
+              <a:t>24-9-2019</a:t>
             </a:fld>
             <a:endParaRPr lang="nl-NL"/>
           </a:p>
@@ -2397,7 +2395,7 @@
           <a:p>
             <a:fld id="{AD7EFAF3-100B-4256-A6D3-83084E54E267}" type="datetimeFigureOut">
               <a:rPr lang="nl-NL" smtClean="0"/>
-              <a:t>16-2-2019</a:t>
+              <a:t>24-9-2019</a:t>
             </a:fld>
             <a:endParaRPr lang="nl-NL"/>
           </a:p>
@@ -2685,7 +2683,7 @@
           <a:p>
             <a:fld id="{AD7EFAF3-100B-4256-A6D3-83084E54E267}" type="datetimeFigureOut">
               <a:rPr lang="nl-NL" smtClean="0"/>
-              <a:t>16-2-2019</a:t>
+              <a:t>24-9-2019</a:t>
             </a:fld>
             <a:endParaRPr lang="nl-NL"/>
           </a:p>
@@ -2926,7 +2924,7 @@
           <a:p>
             <a:fld id="{AD7EFAF3-100B-4256-A6D3-83084E54E267}" type="datetimeFigureOut">
               <a:rPr lang="nl-NL" smtClean="0"/>
-              <a:t>16-2-2019</a:t>
+              <a:t>24-9-2019</a:t>
             </a:fld>
             <a:endParaRPr lang="nl-NL"/>
           </a:p>
@@ -3398,16 +3396,44 @@
           <a:lstStyle/>
           <a:p>
             <a:r>
-              <a:rPr lang="nl-NL" dirty="0"/>
-              <a:t>door Willy </a:t>
-            </a:r>
-            <a:r>
               <a:rPr lang="nl-NL" dirty="0" err="1"/>
-              <a:t>Tadema</a:t>
-            </a:r>
-            <a:r>
-              <a:rPr lang="nl-NL" dirty="0"/>
-              <a:t>, 14 februari 2019</a:t>
+              <a:t>Niene</a:t>
+            </a:r>
+            <a:r>
+              <a:rPr lang="nl-NL" dirty="0"/>
+              <a:t> Boeijen (</a:t>
+            </a:r>
+            <a:r>
+              <a:rPr lang="nl-NL" dirty="0" err="1"/>
+              <a:t>Webmapper</a:t>
+            </a:r>
+            <a:r>
+              <a:rPr lang="nl-NL" dirty="0"/>
+              <a:t>)</a:t>
+            </a:r>
+          </a:p>
+          <a:p>
+            <a:r>
+              <a:rPr lang="nl-NL" dirty="0"/>
+              <a:t>Willy Tadema (Rijks ICT Gilde)</a:t>
+            </a:r>
+          </a:p>
+          <a:p>
+            <a:r>
+              <a:rPr lang="nl-NL" dirty="0" err="1"/>
+              <a:t>Bilal</a:t>
+            </a:r>
+            <a:r>
+              <a:rPr lang="nl-NL" dirty="0"/>
+              <a:t> </a:t>
+            </a:r>
+            <a:r>
+              <a:rPr lang="nl-NL" dirty="0" err="1"/>
+              <a:t>Khalil</a:t>
+            </a:r>
+            <a:r>
+              <a:rPr lang="nl-NL" dirty="0"/>
+              <a:t> (Provincie Groningen)</a:t>
             </a:r>
           </a:p>
         </p:txBody>
@@ -4407,7 +4433,7 @@
           <p:cNvPr id="2" name="Titel 1">
             <a:extLst>
               <a:ext uri="{FF2B5EF4-FFF2-40B4-BE49-F238E27FC236}">
-                <a16:creationId xmlns:a16="http://schemas.microsoft.com/office/drawing/2014/main" id="{C9AA0B66-E799-4AB7-A01C-F1C3F9B7E8BC}"/>
+                <a16:creationId xmlns:a16="http://schemas.microsoft.com/office/drawing/2014/main" id="{17FD53A9-B3BA-408D-9592-2A662EA96652}"/>
               </a:ext>
             </a:extLst>
           </p:cNvPr>
@@ -4423,16 +4449,27 @@
           <a:bodyPr/>
           <a:lstStyle/>
           <a:p>
-            <a:endParaRPr lang="nl-NL"/>
-          </a:p>
-        </p:txBody>
-      </p:sp>
-      <p:sp>
-        <p:nvSpPr>
-          <p:cNvPr id="5" name="Tijdelijke aanduiding voor inhoud 4">
-            <a:extLst>
-              <a:ext uri="{FF2B5EF4-FFF2-40B4-BE49-F238E27FC236}">
-                <a16:creationId xmlns:a16="http://schemas.microsoft.com/office/drawing/2014/main" id="{1ABBF4DC-7798-4E71-8893-5DDC3869539C}"/>
+            <a:r>
+              <a:rPr lang="nl-NL" dirty="0"/>
+              <a:t>Waar vind je </a:t>
+            </a:r>
+            <a:r>
+              <a:rPr lang="nl-NL" dirty="0" err="1"/>
+              <a:t>API’s</a:t>
+            </a:r>
+            <a:r>
+              <a:rPr lang="nl-NL" dirty="0"/>
+              <a:t>?</a:t>
+            </a:r>
+          </a:p>
+        </p:txBody>
+      </p:sp>
+      <p:sp>
+        <p:nvSpPr>
+          <p:cNvPr id="3" name="Tijdelijke aanduiding voor inhoud 2">
+            <a:extLst>
+              <a:ext uri="{FF2B5EF4-FFF2-40B4-BE49-F238E27FC236}">
+                <a16:creationId xmlns:a16="http://schemas.microsoft.com/office/drawing/2014/main" id="{ADC668C2-18D7-4594-9FCD-1EFF0D2E453E}"/>
               </a:ext>
             </a:extLst>
           </p:cNvPr>
@@ -4448,14 +4485,46 @@
           <a:bodyPr/>
           <a:lstStyle/>
           <a:p>
-            <a:endParaRPr lang="nl-NL"/>
+            <a:r>
+              <a:rPr lang="nl-NL" dirty="0"/>
+              <a:t>Doe navraag bij je leveranciers</a:t>
+            </a:r>
+          </a:p>
+          <a:p>
+            <a:r>
+              <a:rPr lang="nl-NL" dirty="0"/>
+              <a:t>Doe navraag bij je eigen GIS-, BI-, of ontwikkelteam</a:t>
+            </a:r>
+          </a:p>
+          <a:p>
+            <a:r>
+              <a:rPr lang="nl-NL" dirty="0"/>
+              <a:t>Nationaal </a:t>
+            </a:r>
+            <a:r>
+              <a:rPr lang="nl-NL" dirty="0" err="1"/>
+              <a:t>Georegister</a:t>
+            </a:r>
+            <a:endParaRPr lang="nl-NL" dirty="0"/>
+          </a:p>
+          <a:p>
+            <a:r>
+              <a:rPr lang="nl-NL" dirty="0"/>
+              <a:t>data.overheid.nl</a:t>
+            </a:r>
+          </a:p>
+          <a:p>
+            <a:r>
+              <a:rPr lang="nl-NL" dirty="0"/>
+              <a:t>developer.overheid.nl</a:t>
+            </a:r>
           </a:p>
         </p:txBody>
       </p:sp>
     </p:spTree>
     <p:extLst>
       <p:ext uri="{BB962C8B-B14F-4D97-AF65-F5344CB8AC3E}">
-        <p14:creationId xmlns:p14="http://schemas.microsoft.com/office/powerpoint/2010/main" val="3410062595"/>
+        <p14:creationId xmlns:p14="http://schemas.microsoft.com/office/powerpoint/2010/main" val="1335401767"/>
       </p:ext>
     </p:extLst>
   </p:cSld>
@@ -4487,7 +4556,7 @@
           <p:cNvPr id="2" name="Titel 1">
             <a:extLst>
               <a:ext uri="{FF2B5EF4-FFF2-40B4-BE49-F238E27FC236}">
-                <a16:creationId xmlns:a16="http://schemas.microsoft.com/office/drawing/2014/main" id="{5EA1D07B-1848-476A-B962-5857BB611C3D}"/>
+                <a16:creationId xmlns:a16="http://schemas.microsoft.com/office/drawing/2014/main" id="{17FD53A9-B3BA-408D-9592-2A662EA96652}"/>
               </a:ext>
             </a:extLst>
           </p:cNvPr>
@@ -4504,598 +4573,83 @@
           <a:lstStyle/>
           <a:p>
             <a:r>
+              <a:rPr lang="nl-NL" dirty="0"/>
+              <a:t>Best </a:t>
+            </a:r>
+            <a:r>
               <a:rPr lang="nl-NL" dirty="0" err="1"/>
-              <a:t>Request</a:t>
-            </a:r>
-            <a:r>
-              <a:rPr lang="nl-NL" dirty="0"/>
-              <a:t> &amp; Response</a:t>
-            </a:r>
-          </a:p>
-        </p:txBody>
-      </p:sp>
-      <p:grpSp>
-        <p:nvGrpSpPr>
-          <p:cNvPr id="16" name="Groep 15">
-            <a:extLst>
-              <a:ext uri="{FF2B5EF4-FFF2-40B4-BE49-F238E27FC236}">
-                <a16:creationId xmlns:a16="http://schemas.microsoft.com/office/drawing/2014/main" id="{29CE6A1E-BD27-4BD6-A817-16F406584E81}"/>
-              </a:ext>
-            </a:extLst>
-          </p:cNvPr>
-          <p:cNvGrpSpPr/>
-          <p:nvPr/>
-        </p:nvGrpSpPr>
-        <p:grpSpPr>
-          <a:xfrm>
-            <a:off x="1537335" y="2448956"/>
-            <a:ext cx="7847330" cy="3204567"/>
-            <a:chOff x="2096135" y="2779156"/>
-            <a:chExt cx="7847330" cy="3204567"/>
-          </a:xfrm>
-        </p:grpSpPr>
-        <p:sp>
-          <p:nvSpPr>
-            <p:cNvPr id="6" name="Rechthoek 5">
-              <a:extLst>
-                <a:ext uri="{FF2B5EF4-FFF2-40B4-BE49-F238E27FC236}">
-                  <a16:creationId xmlns:a16="http://schemas.microsoft.com/office/drawing/2014/main" id="{40951127-FBFB-44E9-9150-60683168AE6F}"/>
-                </a:ext>
-              </a:extLst>
-            </p:cNvPr>
-            <p:cNvSpPr/>
-            <p:nvPr/>
-          </p:nvSpPr>
-          <p:spPr>
-            <a:xfrm>
-              <a:off x="4836160" y="3159760"/>
-              <a:ext cx="2367280" cy="2367280"/>
-            </a:xfrm>
-            <a:prstGeom prst="rect">
-              <a:avLst/>
-            </a:prstGeom>
-            <a:solidFill>
-              <a:srgbClr val="EB4E49"/>
-            </a:solidFill>
-            <a:ln w="63500">
-              <a:solidFill>
-                <a:srgbClr val="D4332C"/>
-              </a:solidFill>
-            </a:ln>
-          </p:spPr>
-          <p:style>
-            <a:lnRef idx="2">
-              <a:schemeClr val="accent1">
-                <a:shade val="50000"/>
-              </a:schemeClr>
-            </a:lnRef>
-            <a:fillRef idx="1">
-              <a:schemeClr val="accent1"/>
-            </a:fillRef>
-            <a:effectRef idx="0">
-              <a:schemeClr val="accent1"/>
-            </a:effectRef>
-            <a:fontRef idx="minor">
-              <a:schemeClr val="lt1"/>
-            </a:fontRef>
-          </p:style>
-          <p:txBody>
-            <a:bodyPr rtlCol="0" anchor="ctr"/>
-            <a:lstStyle/>
-            <a:p>
-              <a:pPr algn="ctr"/>
-              <a:r>
-                <a:rPr lang="nl-NL" sz="4800" b="1" dirty="0">
-                  <a:latin typeface="Times New Roman" panose="02020603050405020304" pitchFamily="18" charset="0"/>
-                  <a:cs typeface="Times New Roman" panose="02020603050405020304" pitchFamily="18" charset="0"/>
-                </a:rPr>
-                <a:t>API</a:t>
-              </a:r>
-            </a:p>
-          </p:txBody>
-        </p:sp>
-        <p:sp>
-          <p:nvSpPr>
-            <p:cNvPr id="9" name="Ovaal 8">
-              <a:extLst>
-                <a:ext uri="{FF2B5EF4-FFF2-40B4-BE49-F238E27FC236}">
-                  <a16:creationId xmlns:a16="http://schemas.microsoft.com/office/drawing/2014/main" id="{E9F4B14C-E53A-47DC-AA2A-86BC7E7F026D}"/>
-                </a:ext>
-              </a:extLst>
-            </p:cNvPr>
-            <p:cNvSpPr/>
-            <p:nvPr/>
-          </p:nvSpPr>
-          <p:spPr>
-            <a:xfrm>
-              <a:off x="7581900" y="3165475"/>
-              <a:ext cx="2361565" cy="2361565"/>
-            </a:xfrm>
-            <a:prstGeom prst="ellipse">
-              <a:avLst/>
-            </a:prstGeom>
-            <a:solidFill>
-              <a:srgbClr val="816FB3"/>
-            </a:solidFill>
-            <a:ln w="63500">
-              <a:solidFill>
-                <a:srgbClr val="5F4EA1"/>
-              </a:solidFill>
-            </a:ln>
-          </p:spPr>
-          <p:style>
-            <a:lnRef idx="2">
-              <a:schemeClr val="accent1">
-                <a:shade val="50000"/>
-              </a:schemeClr>
-            </a:lnRef>
-            <a:fillRef idx="1">
-              <a:schemeClr val="accent1"/>
-            </a:fillRef>
-            <a:effectRef idx="0">
-              <a:schemeClr val="accent1"/>
-            </a:effectRef>
-            <a:fontRef idx="minor">
-              <a:schemeClr val="lt1"/>
-            </a:fontRef>
-          </p:style>
-          <p:txBody>
-            <a:bodyPr rtlCol="0" anchor="ctr"/>
-            <a:lstStyle/>
-            <a:p>
-              <a:pPr algn="ctr"/>
-              <a:r>
-                <a:rPr lang="nl-NL" sz="2800" b="1" dirty="0">
-                  <a:latin typeface="Times New Roman" panose="02020603050405020304" pitchFamily="18" charset="0"/>
-                  <a:cs typeface="Times New Roman" panose="02020603050405020304" pitchFamily="18" charset="0"/>
-                </a:rPr>
-                <a:t>SERVER</a:t>
-              </a:r>
-            </a:p>
-          </p:txBody>
-        </p:sp>
-        <p:sp>
-          <p:nvSpPr>
-            <p:cNvPr id="10" name="Ovaal 9">
-              <a:extLst>
-                <a:ext uri="{FF2B5EF4-FFF2-40B4-BE49-F238E27FC236}">
-                  <a16:creationId xmlns:a16="http://schemas.microsoft.com/office/drawing/2014/main" id="{713AD49D-21D8-4739-B142-9F7E43557383}"/>
-                </a:ext>
-              </a:extLst>
-            </p:cNvPr>
-            <p:cNvSpPr/>
-            <p:nvPr/>
-          </p:nvSpPr>
-          <p:spPr>
-            <a:xfrm>
-              <a:off x="2096135" y="3214687"/>
-              <a:ext cx="2361565" cy="2361565"/>
-            </a:xfrm>
-            <a:prstGeom prst="ellipse">
-              <a:avLst/>
-            </a:prstGeom>
-            <a:solidFill>
-              <a:srgbClr val="27AAE5"/>
-            </a:solidFill>
-            <a:ln w="63500">
-              <a:solidFill>
-                <a:srgbClr val="268BCF"/>
-              </a:solidFill>
-            </a:ln>
-          </p:spPr>
-          <p:style>
-            <a:lnRef idx="2">
-              <a:schemeClr val="accent1">
-                <a:shade val="50000"/>
-              </a:schemeClr>
-            </a:lnRef>
-            <a:fillRef idx="1">
-              <a:schemeClr val="accent1"/>
-            </a:fillRef>
-            <a:effectRef idx="0">
-              <a:schemeClr val="accent1"/>
-            </a:effectRef>
-            <a:fontRef idx="minor">
-              <a:schemeClr val="lt1"/>
-            </a:fontRef>
-          </p:style>
-          <p:txBody>
-            <a:bodyPr rtlCol="0" anchor="ctr"/>
-            <a:lstStyle/>
-            <a:p>
-              <a:pPr algn="ctr"/>
-              <a:r>
-                <a:rPr lang="nl-NL" sz="2800" b="1" dirty="0">
-                  <a:latin typeface="Times New Roman" panose="02020603050405020304" pitchFamily="18" charset="0"/>
-                  <a:cs typeface="Times New Roman" panose="02020603050405020304" pitchFamily="18" charset="0"/>
-                </a:rPr>
-                <a:t>CLIENT</a:t>
-              </a:r>
-            </a:p>
-          </p:txBody>
-        </p:sp>
-        <p:sp>
-          <p:nvSpPr>
-            <p:cNvPr id="12" name="Pijl: rechts 11">
-              <a:extLst>
-                <a:ext uri="{FF2B5EF4-FFF2-40B4-BE49-F238E27FC236}">
-                  <a16:creationId xmlns:a16="http://schemas.microsoft.com/office/drawing/2014/main" id="{AB44D8C9-C247-4135-B8CD-514EF2DB38A8}"/>
-                </a:ext>
-              </a:extLst>
-            </p:cNvPr>
-            <p:cNvSpPr/>
-            <p:nvPr/>
-          </p:nvSpPr>
-          <p:spPr>
-            <a:xfrm>
-              <a:off x="4567766" y="2779156"/>
-              <a:ext cx="2971799" cy="814943"/>
-            </a:xfrm>
-            <a:custGeom>
-              <a:avLst/>
-              <a:gdLst>
-                <a:gd name="connsiteX0" fmla="*/ 0 w 2971799"/>
-                <a:gd name="connsiteY0" fmla="*/ 203736 h 814943"/>
-                <a:gd name="connsiteX1" fmla="*/ 2089990 w 2971799"/>
-                <a:gd name="connsiteY1" fmla="*/ 203736 h 814943"/>
-                <a:gd name="connsiteX2" fmla="*/ 2089990 w 2971799"/>
-                <a:gd name="connsiteY2" fmla="*/ 0 h 814943"/>
-                <a:gd name="connsiteX3" fmla="*/ 2971799 w 2971799"/>
-                <a:gd name="connsiteY3" fmla="*/ 407472 h 814943"/>
-                <a:gd name="connsiteX4" fmla="*/ 2089990 w 2971799"/>
-                <a:gd name="connsiteY4" fmla="*/ 814943 h 814943"/>
-                <a:gd name="connsiteX5" fmla="*/ 2089990 w 2971799"/>
-                <a:gd name="connsiteY5" fmla="*/ 611207 h 814943"/>
-                <a:gd name="connsiteX6" fmla="*/ 0 w 2971799"/>
-                <a:gd name="connsiteY6" fmla="*/ 611207 h 814943"/>
-                <a:gd name="connsiteX7" fmla="*/ 0 w 2971799"/>
-                <a:gd name="connsiteY7" fmla="*/ 203736 h 814943"/>
-                <a:gd name="connsiteX0" fmla="*/ 0 w 2971799"/>
-                <a:gd name="connsiteY0" fmla="*/ 203736 h 814943"/>
-                <a:gd name="connsiteX1" fmla="*/ 2191590 w 2971799"/>
-                <a:gd name="connsiteY1" fmla="*/ 195269 h 814943"/>
-                <a:gd name="connsiteX2" fmla="*/ 2089990 w 2971799"/>
-                <a:gd name="connsiteY2" fmla="*/ 0 h 814943"/>
-                <a:gd name="connsiteX3" fmla="*/ 2971799 w 2971799"/>
-                <a:gd name="connsiteY3" fmla="*/ 407472 h 814943"/>
-                <a:gd name="connsiteX4" fmla="*/ 2089990 w 2971799"/>
-                <a:gd name="connsiteY4" fmla="*/ 814943 h 814943"/>
-                <a:gd name="connsiteX5" fmla="*/ 2089990 w 2971799"/>
-                <a:gd name="connsiteY5" fmla="*/ 611207 h 814943"/>
-                <a:gd name="connsiteX6" fmla="*/ 0 w 2971799"/>
-                <a:gd name="connsiteY6" fmla="*/ 611207 h 814943"/>
-                <a:gd name="connsiteX7" fmla="*/ 0 w 2971799"/>
-                <a:gd name="connsiteY7" fmla="*/ 203736 h 814943"/>
-                <a:gd name="connsiteX0" fmla="*/ 0 w 2971799"/>
-                <a:gd name="connsiteY0" fmla="*/ 203736 h 814943"/>
-                <a:gd name="connsiteX1" fmla="*/ 2191590 w 2971799"/>
-                <a:gd name="connsiteY1" fmla="*/ 195269 h 814943"/>
-                <a:gd name="connsiteX2" fmla="*/ 2089990 w 2971799"/>
-                <a:gd name="connsiteY2" fmla="*/ 0 h 814943"/>
-                <a:gd name="connsiteX3" fmla="*/ 2971799 w 2971799"/>
-                <a:gd name="connsiteY3" fmla="*/ 407472 h 814943"/>
-                <a:gd name="connsiteX4" fmla="*/ 2089990 w 2971799"/>
-                <a:gd name="connsiteY4" fmla="*/ 814943 h 814943"/>
-                <a:gd name="connsiteX5" fmla="*/ 2216990 w 2971799"/>
-                <a:gd name="connsiteY5" fmla="*/ 594273 h 814943"/>
-                <a:gd name="connsiteX6" fmla="*/ 0 w 2971799"/>
-                <a:gd name="connsiteY6" fmla="*/ 611207 h 814943"/>
-                <a:gd name="connsiteX7" fmla="*/ 0 w 2971799"/>
-                <a:gd name="connsiteY7" fmla="*/ 203736 h 814943"/>
-              </a:gdLst>
-              <a:ahLst/>
-              <a:cxnLst>
-                <a:cxn ang="0">
-                  <a:pos x="connsiteX0" y="connsiteY0"/>
-                </a:cxn>
-                <a:cxn ang="0">
-                  <a:pos x="connsiteX1" y="connsiteY1"/>
-                </a:cxn>
-                <a:cxn ang="0">
-                  <a:pos x="connsiteX2" y="connsiteY2"/>
-                </a:cxn>
-                <a:cxn ang="0">
-                  <a:pos x="connsiteX3" y="connsiteY3"/>
-                </a:cxn>
-                <a:cxn ang="0">
-                  <a:pos x="connsiteX4" y="connsiteY4"/>
-                </a:cxn>
-                <a:cxn ang="0">
-                  <a:pos x="connsiteX5" y="connsiteY5"/>
-                </a:cxn>
-                <a:cxn ang="0">
-                  <a:pos x="connsiteX6" y="connsiteY6"/>
-                </a:cxn>
-                <a:cxn ang="0">
-                  <a:pos x="connsiteX7" y="connsiteY7"/>
-                </a:cxn>
-              </a:cxnLst>
-              <a:rect l="l" t="t" r="r" b="b"/>
-              <a:pathLst>
-                <a:path w="2971799" h="814943">
-                  <a:moveTo>
-                    <a:pt x="0" y="203736"/>
-                  </a:moveTo>
-                  <a:lnTo>
-                    <a:pt x="2191590" y="195269"/>
-                  </a:lnTo>
-                  <a:lnTo>
-                    <a:pt x="2089990" y="0"/>
-                  </a:lnTo>
-                  <a:lnTo>
-                    <a:pt x="2971799" y="407472"/>
-                  </a:lnTo>
-                  <a:lnTo>
-                    <a:pt x="2089990" y="814943"/>
-                  </a:lnTo>
-                  <a:lnTo>
-                    <a:pt x="2216990" y="594273"/>
-                  </a:lnTo>
-                  <a:lnTo>
-                    <a:pt x="0" y="611207"/>
-                  </a:lnTo>
-                  <a:lnTo>
-                    <a:pt x="0" y="203736"/>
-                  </a:lnTo>
-                  <a:close/>
-                </a:path>
-              </a:pathLst>
-            </a:custGeom>
-            <a:solidFill>
-              <a:srgbClr val="87B13F"/>
-            </a:solidFill>
-            <a:ln w="31750">
-              <a:solidFill>
-                <a:srgbClr val="D1E36D"/>
-              </a:solidFill>
-            </a:ln>
-          </p:spPr>
-          <p:style>
-            <a:lnRef idx="2">
-              <a:schemeClr val="accent1">
-                <a:shade val="50000"/>
-              </a:schemeClr>
-            </a:lnRef>
-            <a:fillRef idx="1">
-              <a:schemeClr val="accent1"/>
-            </a:fillRef>
-            <a:effectRef idx="0">
-              <a:schemeClr val="accent1"/>
-            </a:effectRef>
-            <a:fontRef idx="minor">
-              <a:schemeClr val="lt1"/>
-            </a:fontRef>
-          </p:style>
-          <p:txBody>
-            <a:bodyPr rtlCol="0" anchor="ctr"/>
-            <a:lstStyle/>
-            <a:p>
-              <a:pPr algn="ctr"/>
-              <a:r>
-                <a:rPr lang="nl-NL" b="1" dirty="0">
-                  <a:latin typeface="Times New Roman" panose="02020603050405020304" pitchFamily="18" charset="0"/>
-                  <a:cs typeface="Times New Roman" panose="02020603050405020304" pitchFamily="18" charset="0"/>
-                </a:rPr>
-                <a:t>REQUEST</a:t>
-              </a:r>
-            </a:p>
-          </p:txBody>
-        </p:sp>
-        <p:sp>
-          <p:nvSpPr>
-            <p:cNvPr id="14" name="Pijl: rechts 11">
-              <a:extLst>
-                <a:ext uri="{FF2B5EF4-FFF2-40B4-BE49-F238E27FC236}">
-                  <a16:creationId xmlns:a16="http://schemas.microsoft.com/office/drawing/2014/main" id="{AD350D42-DB54-4347-B7B2-131E235F67AA}"/>
-                </a:ext>
-              </a:extLst>
-            </p:cNvPr>
-            <p:cNvSpPr/>
-            <p:nvPr/>
-          </p:nvSpPr>
-          <p:spPr>
-            <a:xfrm rot="10800000">
-              <a:off x="4457700" y="5168780"/>
-              <a:ext cx="2971799" cy="814943"/>
-            </a:xfrm>
-            <a:custGeom>
-              <a:avLst/>
-              <a:gdLst>
-                <a:gd name="connsiteX0" fmla="*/ 0 w 2971799"/>
-                <a:gd name="connsiteY0" fmla="*/ 203736 h 814943"/>
-                <a:gd name="connsiteX1" fmla="*/ 2089990 w 2971799"/>
-                <a:gd name="connsiteY1" fmla="*/ 203736 h 814943"/>
-                <a:gd name="connsiteX2" fmla="*/ 2089990 w 2971799"/>
-                <a:gd name="connsiteY2" fmla="*/ 0 h 814943"/>
-                <a:gd name="connsiteX3" fmla="*/ 2971799 w 2971799"/>
-                <a:gd name="connsiteY3" fmla="*/ 407472 h 814943"/>
-                <a:gd name="connsiteX4" fmla="*/ 2089990 w 2971799"/>
-                <a:gd name="connsiteY4" fmla="*/ 814943 h 814943"/>
-                <a:gd name="connsiteX5" fmla="*/ 2089990 w 2971799"/>
-                <a:gd name="connsiteY5" fmla="*/ 611207 h 814943"/>
-                <a:gd name="connsiteX6" fmla="*/ 0 w 2971799"/>
-                <a:gd name="connsiteY6" fmla="*/ 611207 h 814943"/>
-                <a:gd name="connsiteX7" fmla="*/ 0 w 2971799"/>
-                <a:gd name="connsiteY7" fmla="*/ 203736 h 814943"/>
-                <a:gd name="connsiteX0" fmla="*/ 0 w 2971799"/>
-                <a:gd name="connsiteY0" fmla="*/ 203736 h 814943"/>
-                <a:gd name="connsiteX1" fmla="*/ 2191590 w 2971799"/>
-                <a:gd name="connsiteY1" fmla="*/ 195269 h 814943"/>
-                <a:gd name="connsiteX2" fmla="*/ 2089990 w 2971799"/>
-                <a:gd name="connsiteY2" fmla="*/ 0 h 814943"/>
-                <a:gd name="connsiteX3" fmla="*/ 2971799 w 2971799"/>
-                <a:gd name="connsiteY3" fmla="*/ 407472 h 814943"/>
-                <a:gd name="connsiteX4" fmla="*/ 2089990 w 2971799"/>
-                <a:gd name="connsiteY4" fmla="*/ 814943 h 814943"/>
-                <a:gd name="connsiteX5" fmla="*/ 2089990 w 2971799"/>
-                <a:gd name="connsiteY5" fmla="*/ 611207 h 814943"/>
-                <a:gd name="connsiteX6" fmla="*/ 0 w 2971799"/>
-                <a:gd name="connsiteY6" fmla="*/ 611207 h 814943"/>
-                <a:gd name="connsiteX7" fmla="*/ 0 w 2971799"/>
-                <a:gd name="connsiteY7" fmla="*/ 203736 h 814943"/>
-                <a:gd name="connsiteX0" fmla="*/ 0 w 2971799"/>
-                <a:gd name="connsiteY0" fmla="*/ 203736 h 814943"/>
-                <a:gd name="connsiteX1" fmla="*/ 2191590 w 2971799"/>
-                <a:gd name="connsiteY1" fmla="*/ 195269 h 814943"/>
-                <a:gd name="connsiteX2" fmla="*/ 2089990 w 2971799"/>
-                <a:gd name="connsiteY2" fmla="*/ 0 h 814943"/>
-                <a:gd name="connsiteX3" fmla="*/ 2971799 w 2971799"/>
-                <a:gd name="connsiteY3" fmla="*/ 407472 h 814943"/>
-                <a:gd name="connsiteX4" fmla="*/ 2089990 w 2971799"/>
-                <a:gd name="connsiteY4" fmla="*/ 814943 h 814943"/>
-                <a:gd name="connsiteX5" fmla="*/ 2216990 w 2971799"/>
-                <a:gd name="connsiteY5" fmla="*/ 594273 h 814943"/>
-                <a:gd name="connsiteX6" fmla="*/ 0 w 2971799"/>
-                <a:gd name="connsiteY6" fmla="*/ 611207 h 814943"/>
-                <a:gd name="connsiteX7" fmla="*/ 0 w 2971799"/>
-                <a:gd name="connsiteY7" fmla="*/ 203736 h 814943"/>
-              </a:gdLst>
-              <a:ahLst/>
-              <a:cxnLst>
-                <a:cxn ang="0">
-                  <a:pos x="connsiteX0" y="connsiteY0"/>
-                </a:cxn>
-                <a:cxn ang="0">
-                  <a:pos x="connsiteX1" y="connsiteY1"/>
-                </a:cxn>
-                <a:cxn ang="0">
-                  <a:pos x="connsiteX2" y="connsiteY2"/>
-                </a:cxn>
-                <a:cxn ang="0">
-                  <a:pos x="connsiteX3" y="connsiteY3"/>
-                </a:cxn>
-                <a:cxn ang="0">
-                  <a:pos x="connsiteX4" y="connsiteY4"/>
-                </a:cxn>
-                <a:cxn ang="0">
-                  <a:pos x="connsiteX5" y="connsiteY5"/>
-                </a:cxn>
-                <a:cxn ang="0">
-                  <a:pos x="connsiteX6" y="connsiteY6"/>
-                </a:cxn>
-                <a:cxn ang="0">
-                  <a:pos x="connsiteX7" y="connsiteY7"/>
-                </a:cxn>
-              </a:cxnLst>
-              <a:rect l="l" t="t" r="r" b="b"/>
-              <a:pathLst>
-                <a:path w="2971799" h="814943">
-                  <a:moveTo>
-                    <a:pt x="0" y="203736"/>
-                  </a:moveTo>
-                  <a:lnTo>
-                    <a:pt x="2191590" y="195269"/>
-                  </a:lnTo>
-                  <a:lnTo>
-                    <a:pt x="2089990" y="0"/>
-                  </a:lnTo>
-                  <a:lnTo>
-                    <a:pt x="2971799" y="407472"/>
-                  </a:lnTo>
-                  <a:lnTo>
-                    <a:pt x="2089990" y="814943"/>
-                  </a:lnTo>
-                  <a:lnTo>
-                    <a:pt x="2216990" y="594273"/>
-                  </a:lnTo>
-                  <a:lnTo>
-                    <a:pt x="0" y="611207"/>
-                  </a:lnTo>
-                  <a:lnTo>
-                    <a:pt x="0" y="203736"/>
-                  </a:lnTo>
-                  <a:close/>
-                </a:path>
-              </a:pathLst>
-            </a:custGeom>
-            <a:solidFill>
-              <a:srgbClr val="87B13F"/>
-            </a:solidFill>
-            <a:ln w="31750">
-              <a:solidFill>
-                <a:srgbClr val="D1E36D"/>
-              </a:solidFill>
-            </a:ln>
-          </p:spPr>
-          <p:style>
-            <a:lnRef idx="2">
-              <a:schemeClr val="accent1">
-                <a:shade val="50000"/>
-              </a:schemeClr>
-            </a:lnRef>
-            <a:fillRef idx="1">
-              <a:schemeClr val="accent1"/>
-            </a:fillRef>
-            <a:effectRef idx="0">
-              <a:schemeClr val="accent1"/>
-            </a:effectRef>
-            <a:fontRef idx="minor">
-              <a:schemeClr val="lt1"/>
-            </a:fontRef>
-          </p:style>
-          <p:txBody>
-            <a:bodyPr rtlCol="0" anchor="ctr"/>
-            <a:lstStyle/>
-            <a:p>
-              <a:pPr algn="ctr"/>
-              <a:endParaRPr lang="nl-NL" b="1" dirty="0">
-                <a:latin typeface="Times New Roman" panose="02020603050405020304" pitchFamily="18" charset="0"/>
-                <a:cs typeface="Times New Roman" panose="02020603050405020304" pitchFamily="18" charset="0"/>
-              </a:endParaRPr>
-            </a:p>
-          </p:txBody>
-        </p:sp>
-        <p:sp>
-          <p:nvSpPr>
-            <p:cNvPr id="15" name="Tekstvak 14">
-              <a:extLst>
-                <a:ext uri="{FF2B5EF4-FFF2-40B4-BE49-F238E27FC236}">
-                  <a16:creationId xmlns:a16="http://schemas.microsoft.com/office/drawing/2014/main" id="{6096117E-B58E-43B3-8108-A5230C3B48F6}"/>
-                </a:ext>
-              </a:extLst>
-            </p:cNvPr>
-            <p:cNvSpPr txBox="1"/>
-            <p:nvPr/>
-          </p:nvSpPr>
-          <p:spPr>
-            <a:xfrm>
-              <a:off x="5325078" y="5388927"/>
-              <a:ext cx="1402948" cy="369332"/>
-            </a:xfrm>
-            <a:prstGeom prst="rect">
-              <a:avLst/>
-            </a:prstGeom>
-            <a:noFill/>
-          </p:spPr>
-          <p:txBody>
-            <a:bodyPr wrap="none" rtlCol="0">
-              <a:spAutoFit/>
-            </a:bodyPr>
-            <a:lstStyle/>
-            <a:p>
-              <a:r>
-                <a:rPr lang="nl-NL" b="1" dirty="0">
-                  <a:solidFill>
-                    <a:schemeClr val="bg1"/>
-                  </a:solidFill>
-                  <a:latin typeface="Times New Roman" panose="02020603050405020304" pitchFamily="18" charset="0"/>
-                  <a:cs typeface="Times New Roman" panose="02020603050405020304" pitchFamily="18" charset="0"/>
-                </a:rPr>
-                <a:t>RESPONSE</a:t>
-              </a:r>
-              <a:endParaRPr lang="nl-NL" dirty="0">
-                <a:solidFill>
-                  <a:schemeClr val="bg1"/>
-                </a:solidFill>
-              </a:endParaRPr>
-            </a:p>
-          </p:txBody>
-        </p:sp>
-      </p:grpSp>
+              <a:t>practices</a:t>
+            </a:r>
+            <a:endParaRPr lang="nl-NL" dirty="0"/>
+          </a:p>
+        </p:txBody>
+      </p:sp>
+      <p:sp>
+        <p:nvSpPr>
+          <p:cNvPr id="3" name="Tijdelijke aanduiding voor inhoud 2">
+            <a:extLst>
+              <a:ext uri="{FF2B5EF4-FFF2-40B4-BE49-F238E27FC236}">
+                <a16:creationId xmlns:a16="http://schemas.microsoft.com/office/drawing/2014/main" id="{ADC668C2-18D7-4594-9FCD-1EFF0D2E453E}"/>
+              </a:ext>
+            </a:extLst>
+          </p:cNvPr>
+          <p:cNvSpPr>
+            <a:spLocks noGrp="1"/>
+          </p:cNvSpPr>
+          <p:nvPr>
+            <p:ph idx="1"/>
+          </p:nvPr>
+        </p:nvSpPr>
+        <p:spPr/>
+        <p:txBody>
+          <a:bodyPr/>
+          <a:lstStyle/>
+          <a:p>
+            <a:r>
+              <a:rPr lang="nl-NL" dirty="0"/>
+              <a:t>API strategie van de Nederlandse overheid</a:t>
+            </a:r>
+          </a:p>
+          <a:p>
+            <a:r>
+              <a:rPr lang="nl-NL" dirty="0"/>
+              <a:t>Documenteer! Liefst in </a:t>
+            </a:r>
+            <a:r>
+              <a:rPr lang="nl-NL" dirty="0" err="1"/>
+              <a:t>OpenAPI</a:t>
+            </a:r>
+            <a:r>
+              <a:rPr lang="nl-NL" dirty="0"/>
+              <a:t> </a:t>
+            </a:r>
+            <a:r>
+              <a:rPr lang="nl-NL" dirty="0" err="1"/>
+              <a:t>Specification</a:t>
+            </a:r>
+            <a:r>
+              <a:rPr lang="nl-NL" dirty="0"/>
+              <a:t> (OAS)</a:t>
+            </a:r>
+          </a:p>
+          <a:p>
+            <a:r>
+              <a:rPr lang="nl-NL" dirty="0"/>
+              <a:t>Deel! </a:t>
+            </a:r>
+          </a:p>
+          <a:p>
+            <a:r>
+              <a:rPr lang="nl-NL" dirty="0"/>
+              <a:t>API management</a:t>
+            </a:r>
+          </a:p>
+        </p:txBody>
+      </p:sp>
     </p:spTree>
     <p:extLst>
       <p:ext uri="{BB962C8B-B14F-4D97-AF65-F5344CB8AC3E}">
-        <p14:creationId xmlns:p14="http://schemas.microsoft.com/office/powerpoint/2010/main" val="3912981954"/>
+        <p14:creationId xmlns:p14="http://schemas.microsoft.com/office/powerpoint/2010/main" val="4037313194"/>
       </p:ext>
     </p:extLst>
   </p:cSld>
@@ -5178,7 +4732,7 @@
         </p:nvSpPr>
         <p:spPr>
           <a:xfrm>
-            <a:off x="1533525" y="3321050"/>
+            <a:off x="1065687" y="2927643"/>
             <a:ext cx="11287125" cy="4351338"/>
           </a:xfrm>
         </p:spPr>
@@ -5203,8 +4757,29 @@
                 <a:latin typeface="Courier New" panose="02070309020205020404" pitchFamily="49" charset="0"/>
                 <a:cs typeface="Courier New" panose="02070309020205020404" pitchFamily="49" charset="0"/>
               </a:rPr>
-              <a:t> https://dataloket.zuid-holland.nl/api/search?query=energie&amp;offset=1</a:t>
-            </a:r>
+              <a:t> </a:t>
+            </a:r>
+            <a:r>
+              <a:rPr lang="nl-NL" sz="1800" dirty="0">
+                <a:latin typeface="Courier New" panose="02070309020205020404" pitchFamily="49" charset="0"/>
+                <a:cs typeface="Courier New" panose="02070309020205020404" pitchFamily="49" charset="0"/>
+                <a:hlinkClick r:id="rId2"/>
+              </a:rPr>
+              <a:t>https://data.overheid.nl/data/api/3/action/package_search?q=stikstof&amp;rows=5</a:t>
+            </a:r>
+            <a:endParaRPr lang="nl-NL" sz="1800" dirty="0">
+              <a:latin typeface="Courier New" panose="02070309020205020404" pitchFamily="49" charset="0"/>
+              <a:cs typeface="Courier New" panose="02070309020205020404" pitchFamily="49" charset="0"/>
+            </a:endParaRPr>
+          </a:p>
+          <a:p>
+            <a:pPr marL="0" indent="0">
+              <a:buNone/>
+            </a:pPr>
+            <a:endParaRPr lang="nl-NL" sz="1800" dirty="0">
+              <a:latin typeface="Courier New" panose="02070309020205020404" pitchFamily="49" charset="0"/>
+              <a:cs typeface="Courier New" panose="02070309020205020404" pitchFamily="49" charset="0"/>
+            </a:endParaRPr>
           </a:p>
           <a:p>
             <a:pPr marL="0" indent="0">
@@ -5215,7 +4790,7 @@
                 <a:latin typeface="Courier New" panose="02070309020205020404" pitchFamily="49" charset="0"/>
                 <a:cs typeface="Courier New" panose="02070309020205020404" pitchFamily="49" charset="0"/>
               </a:rPr>
-              <a:t>Host: dataloket.zuid-holland.nl</a:t>
+              <a:t>	Host: data.overheid.nl</a:t>
             </a:r>
           </a:p>
           <a:p>
@@ -5227,40 +4802,7 @@
                 <a:latin typeface="Courier New" panose="02070309020205020404" pitchFamily="49" charset="0"/>
                 <a:cs typeface="Courier New" panose="02070309020205020404" pitchFamily="49" charset="0"/>
               </a:rPr>
-              <a:t>User-Agent: Mozilla/5.0 (Windows NT 6.3; Win64; x64) ...</a:t>
-            </a:r>
-          </a:p>
-          <a:p>
-            <a:pPr marL="0" indent="0">
-              <a:buNone/>
-            </a:pPr>
-            <a:r>
-              <a:rPr lang="nl-NL" sz="1800" dirty="0" err="1">
-                <a:latin typeface="Courier New" panose="02070309020205020404" pitchFamily="49" charset="0"/>
-                <a:cs typeface="Courier New" panose="02070309020205020404" pitchFamily="49" charset="0"/>
-              </a:rPr>
-              <a:t>Authorization</a:t>
-            </a:r>
-            <a:r>
-              <a:rPr lang="nl-NL" sz="1800" dirty="0">
-                <a:latin typeface="Courier New" panose="02070309020205020404" pitchFamily="49" charset="0"/>
-                <a:cs typeface="Courier New" panose="02070309020205020404" pitchFamily="49" charset="0"/>
-              </a:rPr>
-              <a:t>: </a:t>
-            </a:r>
-            <a:r>
-              <a:rPr lang="nl-NL" sz="1800" dirty="0" err="1">
-                <a:latin typeface="Courier New" panose="02070309020205020404" pitchFamily="49" charset="0"/>
-                <a:cs typeface="Courier New" panose="02070309020205020404" pitchFamily="49" charset="0"/>
-              </a:rPr>
-              <a:t>Bearer</a:t>
-            </a:r>
-            <a:r>
-              <a:rPr lang="nl-NL" sz="1800" dirty="0">
-                <a:latin typeface="Courier New" panose="02070309020205020404" pitchFamily="49" charset="0"/>
-                <a:cs typeface="Courier New" panose="02070309020205020404" pitchFamily="49" charset="0"/>
-              </a:rPr>
-              <a:t> eyJ0eXAiOiJKV1QiLCJhbGciOiJSUzI1NiIs ...</a:t>
+              <a:t>	User-Agent: Mozilla/5.0 (Windows NT 6.3; Win64; x64) ...</a:t>
             </a:r>
           </a:p>
         </p:txBody>
@@ -5279,7 +4821,7 @@
         </p:nvSpPr>
         <p:spPr>
           <a:xfrm>
-            <a:off x="1000125" y="2363688"/>
+            <a:off x="532287" y="1970281"/>
             <a:ext cx="1584408" cy="369332"/>
           </a:xfrm>
           <a:prstGeom prst="rect">
@@ -5314,8 +4856,8 @@
         </p:nvSpPr>
         <p:spPr>
           <a:xfrm rot="5400000">
-            <a:off x="4916193" y="123486"/>
-            <a:ext cx="494469" cy="6002259"/>
+            <a:off x="5347426" y="-1168993"/>
+            <a:ext cx="494469" cy="7800403"/>
           </a:xfrm>
           <a:prstGeom prst="leftBrace">
             <a:avLst/>
@@ -5363,7 +4905,7 @@
         </p:nvSpPr>
         <p:spPr>
           <a:xfrm>
-            <a:off x="3298731" y="2370277"/>
+            <a:off x="3670870" y="1976870"/>
             <a:ext cx="3789564" cy="369332"/>
           </a:xfrm>
           <a:prstGeom prst="rect">
@@ -5398,8 +4940,8 @@
         </p:nvSpPr>
         <p:spPr>
           <a:xfrm rot="5400000">
-            <a:off x="9544526" y="1619727"/>
-            <a:ext cx="494469" cy="3028827"/>
+            <a:off x="10571387" y="1587096"/>
+            <a:ext cx="494469" cy="2307266"/>
           </a:xfrm>
           <a:prstGeom prst="leftBrace">
             <a:avLst/>
@@ -5447,7 +4989,7 @@
         </p:nvSpPr>
         <p:spPr>
           <a:xfrm>
-            <a:off x="8875164" y="2370277"/>
+            <a:off x="9342990" y="1976870"/>
             <a:ext cx="1888594" cy="369332"/>
           </a:xfrm>
           <a:prstGeom prst="rect">
@@ -5482,8 +5024,8 @@
         </p:nvSpPr>
         <p:spPr>
           <a:xfrm>
-            <a:off x="1105731" y="3667602"/>
-            <a:ext cx="494469" cy="1124129"/>
+            <a:off x="1233341" y="3667603"/>
+            <a:ext cx="494469" cy="746730"/>
           </a:xfrm>
           <a:prstGeom prst="leftBrace">
             <a:avLst/>
@@ -5531,7 +5073,7 @@
         </p:nvSpPr>
         <p:spPr>
           <a:xfrm>
-            <a:off x="236496" y="4045000"/>
+            <a:off x="364106" y="3832340"/>
             <a:ext cx="872355" cy="369332"/>
           </a:xfrm>
           <a:prstGeom prst="rect">
@@ -5569,7 +5111,7 @@
         </p:nvCxnSpPr>
         <p:spPr>
           <a:xfrm>
-            <a:off x="1792329" y="2733020"/>
+            <a:off x="1324491" y="2339613"/>
             <a:ext cx="0" cy="588030"/>
           </a:xfrm>
           <a:prstGeom prst="straightConnector1">
@@ -5683,7 +5225,7 @@
         </p:nvSpPr>
         <p:spPr>
           <a:xfrm>
-            <a:off x="1533525" y="3321050"/>
+            <a:off x="1235801" y="2831946"/>
             <a:ext cx="11287125" cy="4351338"/>
           </a:xfrm>
         </p:spPr>
@@ -5708,20 +5250,26 @@
                 <a:latin typeface="Courier New" panose="02070309020205020404" pitchFamily="49" charset="0"/>
                 <a:cs typeface="Courier New" panose="02070309020205020404" pitchFamily="49" charset="0"/>
               </a:rPr>
-              <a:t> https://dataloket.zuid-holland.nl/api/documents/upload</a:t>
-            </a:r>
-          </a:p>
-          <a:p>
-            <a:pPr marL="0" indent="0">
-              <a:buNone/>
-            </a:pPr>
-            <a:r>
+              <a:t> </a:t>
+            </a:r>
+            <a:r>
+              <a:rPr lang="nl-NL" sz="1800" dirty="0">
+                <a:latin typeface="Courier New" panose="02070309020205020404" pitchFamily="49" charset="0"/>
+                <a:cs typeface="Courier New" panose="02070309020205020404" pitchFamily="49" charset="0"/>
+                <a:hlinkClick r:id="rId2"/>
+              </a:rPr>
+              <a:t>https://data.overheid.nl/data/api/3/action/package_create</a:t>
+            </a:r>
+            <a:br>
               <a:rPr lang="nl-NL" sz="1800" dirty="0">
                 <a:latin typeface="Courier New" panose="02070309020205020404" pitchFamily="49" charset="0"/>
                 <a:cs typeface="Courier New" panose="02070309020205020404" pitchFamily="49" charset="0"/>
               </a:rPr>
-              <a:t>Host: dataloket.zuid-holland.nl</a:t>
-            </a:r>
+            </a:br>
+            <a:endParaRPr lang="nl-NL" sz="1800" dirty="0">
+              <a:latin typeface="Courier New" panose="02070309020205020404" pitchFamily="49" charset="0"/>
+              <a:cs typeface="Courier New" panose="02070309020205020404" pitchFamily="49" charset="0"/>
+            </a:endParaRPr>
           </a:p>
           <a:p>
             <a:pPr marL="0" indent="0">
@@ -5732,13 +5280,69 @@
                 <a:latin typeface="Courier New" panose="02070309020205020404" pitchFamily="49" charset="0"/>
                 <a:cs typeface="Courier New" panose="02070309020205020404" pitchFamily="49" charset="0"/>
               </a:rPr>
-              <a:t>User-Agent: Mozilla/5.0 (Windows NT 6.3; Win64; x64) ...</a:t>
+              <a:t>	Host: data.overheid.nl</a:t>
             </a:r>
           </a:p>
           <a:p>
             <a:pPr marL="0" indent="0">
               <a:buNone/>
             </a:pPr>
+            <a:r>
+              <a:rPr lang="nl-NL" sz="1800" dirty="0">
+                <a:latin typeface="Courier New" panose="02070309020205020404" pitchFamily="49" charset="0"/>
+                <a:cs typeface="Courier New" panose="02070309020205020404" pitchFamily="49" charset="0"/>
+              </a:rPr>
+              <a:t>	User-Agent: Mozilla/5.0 (Windows NT 6.3; Win64; x64) ...</a:t>
+            </a:r>
+          </a:p>
+          <a:p>
+            <a:pPr marL="0" indent="0">
+              <a:buNone/>
+            </a:pPr>
+            <a:r>
+              <a:rPr lang="nl-NL" sz="1800" dirty="0">
+                <a:latin typeface="Courier New" panose="02070309020205020404" pitchFamily="49" charset="0"/>
+                <a:cs typeface="Courier New" panose="02070309020205020404" pitchFamily="49" charset="0"/>
+              </a:rPr>
+              <a:t>	Content-Type: </a:t>
+            </a:r>
+            <a:r>
+              <a:rPr lang="nl-NL" sz="1800" dirty="0" err="1">
+                <a:latin typeface="Courier New" panose="02070309020205020404" pitchFamily="49" charset="0"/>
+                <a:cs typeface="Courier New" panose="02070309020205020404" pitchFamily="49" charset="0"/>
+              </a:rPr>
+              <a:t>application</a:t>
+            </a:r>
+            <a:r>
+              <a:rPr lang="nl-NL" sz="1800" dirty="0">
+                <a:latin typeface="Courier New" panose="02070309020205020404" pitchFamily="49" charset="0"/>
+                <a:cs typeface="Courier New" panose="02070309020205020404" pitchFamily="49" charset="0"/>
+              </a:rPr>
+              <a:t>/</a:t>
+            </a:r>
+            <a:r>
+              <a:rPr lang="nl-NL" sz="1800" dirty="0" err="1">
+                <a:latin typeface="Courier New" panose="02070309020205020404" pitchFamily="49" charset="0"/>
+                <a:cs typeface="Courier New" panose="02070309020205020404" pitchFamily="49" charset="0"/>
+              </a:rPr>
+              <a:t>json</a:t>
+            </a:r>
+            <a:endParaRPr lang="nl-NL" sz="1800" dirty="0">
+              <a:latin typeface="Courier New" panose="02070309020205020404" pitchFamily="49" charset="0"/>
+              <a:cs typeface="Courier New" panose="02070309020205020404" pitchFamily="49" charset="0"/>
+            </a:endParaRPr>
+          </a:p>
+          <a:p>
+            <a:pPr marL="0" indent="0">
+              <a:buNone/>
+            </a:pPr>
+            <a:r>
+              <a:rPr lang="nl-NL" sz="1800" dirty="0">
+                <a:latin typeface="Courier New" panose="02070309020205020404" pitchFamily="49" charset="0"/>
+                <a:cs typeface="Courier New" panose="02070309020205020404" pitchFamily="49" charset="0"/>
+              </a:rPr>
+              <a:t>	</a:t>
+            </a:r>
             <a:r>
               <a:rPr lang="nl-NL" sz="1800" dirty="0" err="1">
                 <a:latin typeface="Courier New" panose="02070309020205020404" pitchFamily="49" charset="0"/>
@@ -5767,23 +5371,54 @@
               </a:rPr>
               <a:t> eyJ0eXAiOiJKV1QiLCJhbGciOiJSUzI1NiIs ...</a:t>
             </a:r>
-          </a:p>
-          <a:p>
-            <a:pPr marL="0" indent="0">
-              <a:buNone/>
-            </a:pPr>
-            <a:r>
+            <a:br>
               <a:rPr lang="nl-NL" sz="1800" dirty="0">
                 <a:latin typeface="Courier New" panose="02070309020205020404" pitchFamily="49" charset="0"/>
                 <a:cs typeface="Courier New" panose="02070309020205020404" pitchFamily="49" charset="0"/>
               </a:rPr>
-              <a:t>access: Openbaar</a:t>
-            </a:r>
+            </a:br>
+            <a:endParaRPr lang="nl-NL" sz="1200" dirty="0">
+              <a:latin typeface="Courier New" panose="02070309020205020404" pitchFamily="49" charset="0"/>
+              <a:cs typeface="Courier New" panose="02070309020205020404" pitchFamily="49" charset="0"/>
+            </a:endParaRPr>
           </a:p>
           <a:p>
             <a:pPr marL="0" indent="0">
               <a:buNone/>
             </a:pPr>
+            <a:r>
+              <a:rPr lang="nl-NL" sz="1800" dirty="0">
+                <a:latin typeface="Courier New" panose="02070309020205020404" pitchFamily="49" charset="0"/>
+                <a:cs typeface="Courier New" panose="02070309020205020404" pitchFamily="49" charset="0"/>
+              </a:rPr>
+              <a:t>	name: web-</a:t>
+            </a:r>
+            <a:r>
+              <a:rPr lang="nl-NL" sz="1800" dirty="0" err="1">
+                <a:latin typeface="Courier New" panose="02070309020205020404" pitchFamily="49" charset="0"/>
+                <a:cs typeface="Courier New" panose="02070309020205020404" pitchFamily="49" charset="0"/>
+              </a:rPr>
+              <a:t>api</a:t>
+            </a:r>
+            <a:r>
+              <a:rPr lang="nl-NL" sz="1800" dirty="0">
+                <a:latin typeface="Courier New" panose="02070309020205020404" pitchFamily="49" charset="0"/>
+                <a:cs typeface="Courier New" panose="02070309020205020404" pitchFamily="49" charset="0"/>
+              </a:rPr>
+              <a:t>-workshop</a:t>
+            </a:r>
+          </a:p>
+          <a:p>
+            <a:pPr marL="0" indent="0">
+              <a:buNone/>
+            </a:pPr>
+            <a:r>
+              <a:rPr lang="nl-NL" sz="1800" dirty="0">
+                <a:latin typeface="Courier New" panose="02070309020205020404" pitchFamily="49" charset="0"/>
+                <a:cs typeface="Courier New" panose="02070309020205020404" pitchFamily="49" charset="0"/>
+              </a:rPr>
+              <a:t>	</a:t>
+            </a:r>
             <a:r>
               <a:rPr lang="nl-NL" sz="1800" dirty="0" err="1">
                 <a:latin typeface="Courier New" panose="02070309020205020404" pitchFamily="49" charset="0"/>
@@ -5796,45 +5431,59 @@
                 <a:latin typeface="Courier New" panose="02070309020205020404" pitchFamily="49" charset="0"/>
                 <a:cs typeface="Courier New" panose="02070309020205020404" pitchFamily="49" charset="0"/>
               </a:rPr>
-              <a:t>: Energieverbruik</a:t>
-            </a:r>
-          </a:p>
-          <a:p>
-            <a:pPr marL="0" indent="0">
-              <a:buNone/>
-            </a:pPr>
+              <a:t>:	Web </a:t>
+            </a:r>
             <a:r>
               <a:rPr lang="nl-NL" sz="1800" dirty="0" err="1">
                 <a:latin typeface="Courier New" panose="02070309020205020404" pitchFamily="49" charset="0"/>
                 <a:cs typeface="Courier New" panose="02070309020205020404" pitchFamily="49" charset="0"/>
               </a:rPr>
-              <a:t>description</a:t>
+              <a:t>api</a:t>
             </a:r>
             <a:r>
               <a:rPr lang="nl-NL" sz="1800" dirty="0">
                 <a:latin typeface="Courier New" panose="02070309020205020404" pitchFamily="49" charset="0"/>
                 <a:cs typeface="Courier New" panose="02070309020205020404" pitchFamily="49" charset="0"/>
               </a:rPr>
-              <a:t>: Elektriciteit- en gasverbruik van particulieren in 2014</a:t>
+              <a:t> workshop bij de provincie Gelderland</a:t>
             </a:r>
           </a:p>
           <a:p>
             <a:pPr marL="0" indent="0">
               <a:buNone/>
             </a:pPr>
+            <a:r>
+              <a:rPr lang="nl-NL" sz="1800" dirty="0">
+                <a:latin typeface="Courier New" panose="02070309020205020404" pitchFamily="49" charset="0"/>
+                <a:cs typeface="Courier New" panose="02070309020205020404" pitchFamily="49" charset="0"/>
+              </a:rPr>
+              <a:t>	</a:t>
+            </a:r>
             <a:r>
               <a:rPr lang="nl-NL" sz="1800" dirty="0" err="1">
                 <a:latin typeface="Courier New" panose="02070309020205020404" pitchFamily="49" charset="0"/>
                 <a:cs typeface="Courier New" panose="02070309020205020404" pitchFamily="49" charset="0"/>
               </a:rPr>
-              <a:t>contentTypeName</a:t>
+              <a:t>publisher</a:t>
             </a:r>
             <a:r>
               <a:rPr lang="nl-NL" sz="1800" dirty="0">
                 <a:latin typeface="Courier New" panose="02070309020205020404" pitchFamily="49" charset="0"/>
                 <a:cs typeface="Courier New" panose="02070309020205020404" pitchFamily="49" charset="0"/>
               </a:rPr>
-              <a:t>: Dataset</a:t>
+              <a:t>: http://standaarden.overheid.nl/owms/terms/Gelderland</a:t>
+            </a:r>
+          </a:p>
+          <a:p>
+            <a:pPr marL="0" indent="0">
+              <a:buNone/>
+            </a:pPr>
+            <a:r>
+              <a:rPr lang="nl-NL" sz="1800" dirty="0">
+                <a:latin typeface="Courier New" panose="02070309020205020404" pitchFamily="49" charset="0"/>
+                <a:cs typeface="Courier New" panose="02070309020205020404" pitchFamily="49" charset="0"/>
+              </a:rPr>
+              <a:t>	source: https://www.gelderland.nl/datasets/demo-dataset</a:t>
             </a:r>
           </a:p>
         </p:txBody>
@@ -5853,7 +5502,7 @@
         </p:nvSpPr>
         <p:spPr>
           <a:xfrm>
-            <a:off x="1114425" y="2363688"/>
+            <a:off x="816701" y="1874584"/>
             <a:ext cx="1584408" cy="369332"/>
           </a:xfrm>
           <a:prstGeom prst="rect">
@@ -5888,8 +5537,8 @@
         </p:nvSpPr>
         <p:spPr>
           <a:xfrm rot="5400000">
-            <a:off x="5758332" y="-613879"/>
-            <a:ext cx="494469" cy="7476989"/>
+            <a:off x="5654986" y="-1297362"/>
+            <a:ext cx="494469" cy="7865747"/>
           </a:xfrm>
           <a:prstGeom prst="leftBrace">
             <a:avLst/>
@@ -5937,7 +5586,7 @@
         </p:nvSpPr>
         <p:spPr>
           <a:xfrm>
-            <a:off x="4128023" y="2370277"/>
+            <a:off x="3830299" y="1881173"/>
             <a:ext cx="3789564" cy="369332"/>
           </a:xfrm>
           <a:prstGeom prst="rect">
@@ -5972,8 +5621,8 @@
         </p:nvSpPr>
         <p:spPr>
           <a:xfrm>
-            <a:off x="1105731" y="3667602"/>
-            <a:ext cx="494469" cy="1124129"/>
+            <a:off x="1233327" y="3486841"/>
+            <a:ext cx="494469" cy="1478556"/>
           </a:xfrm>
           <a:prstGeom prst="leftBrace">
             <a:avLst/>
@@ -6021,7 +5670,7 @@
         </p:nvSpPr>
         <p:spPr>
           <a:xfrm>
-            <a:off x="236496" y="4045000"/>
+            <a:off x="364092" y="4045000"/>
             <a:ext cx="872355" cy="369332"/>
           </a:xfrm>
           <a:prstGeom prst="rect">
@@ -6059,7 +5708,7 @@
         </p:nvCxnSpPr>
         <p:spPr>
           <a:xfrm>
-            <a:off x="1906629" y="2733020"/>
+            <a:off x="1608905" y="2243916"/>
             <a:ext cx="0" cy="588030"/>
           </a:xfrm>
           <a:prstGeom prst="straightConnector1">
@@ -6101,8 +5750,8 @@
         </p:nvSpPr>
         <p:spPr>
           <a:xfrm>
-            <a:off x="1115256" y="4858227"/>
-            <a:ext cx="494469" cy="1418748"/>
+            <a:off x="1242852" y="5054639"/>
+            <a:ext cx="494469" cy="1478556"/>
           </a:xfrm>
           <a:prstGeom prst="leftBrace">
             <a:avLst/>
@@ -6150,7 +5799,7 @@
         </p:nvSpPr>
         <p:spPr>
           <a:xfrm>
-            <a:off x="417471" y="5359450"/>
+            <a:off x="545067" y="5593362"/>
             <a:ext cx="657552" cy="369332"/>
           </a:xfrm>
           <a:prstGeom prst="rect">
@@ -6175,507 +5824,6 @@
     <p:extLst>
       <p:ext uri="{BB962C8B-B14F-4D97-AF65-F5344CB8AC3E}">
         <p14:creationId xmlns:p14="http://schemas.microsoft.com/office/powerpoint/2010/main" val="1418232261"/>
-      </p:ext>
-    </p:extLst>
-  </p:cSld>
-  <p:clrMapOvr>
-    <a:masterClrMapping/>
-  </p:clrMapOvr>
-</p:sld>
-</file>
-
-<file path=ppt/slides/slide17.xml><?xml version="1.0" encoding="utf-8"?>
-<p:sld xmlns:a="http://schemas.openxmlformats.org/drawingml/2006/main" xmlns:r="http://schemas.openxmlformats.org/officeDocument/2006/relationships" xmlns:p="http://schemas.openxmlformats.org/presentationml/2006/main">
-  <p:cSld>
-    <p:spTree>
-      <p:nvGrpSpPr>
-        <p:cNvPr id="1" name=""/>
-        <p:cNvGrpSpPr/>
-        <p:nvPr/>
-      </p:nvGrpSpPr>
-      <p:grpSpPr>
-        <a:xfrm>
-          <a:off x="0" y="0"/>
-          <a:ext cx="0" cy="0"/>
-          <a:chOff x="0" y="0"/>
-          <a:chExt cx="0" cy="0"/>
-        </a:xfrm>
-      </p:grpSpPr>
-      <p:sp>
-        <p:nvSpPr>
-          <p:cNvPr id="2" name="Titel 1">
-            <a:extLst>
-              <a:ext uri="{FF2B5EF4-FFF2-40B4-BE49-F238E27FC236}">
-                <a16:creationId xmlns:a16="http://schemas.microsoft.com/office/drawing/2014/main" id="{AE65A6E2-BE88-4129-99F0-5AD7FBA12487}"/>
-              </a:ext>
-            </a:extLst>
-          </p:cNvPr>
-          <p:cNvSpPr>
-            <a:spLocks noGrp="1"/>
-          </p:cNvSpPr>
-          <p:nvPr>
-            <p:ph type="title"/>
-          </p:nvPr>
-        </p:nvSpPr>
-        <p:spPr>
-          <a:xfrm>
-            <a:off x="838200" y="365125"/>
-            <a:ext cx="10515600" cy="1325563"/>
-          </a:xfrm>
-        </p:spPr>
-        <p:txBody>
-          <a:bodyPr/>
-          <a:lstStyle/>
-          <a:p>
-            <a:r>
-              <a:rPr lang="nl-NL" dirty="0"/>
-              <a:t> Voorbeeld </a:t>
-            </a:r>
-            <a:r>
-              <a:rPr lang="nl-NL" dirty="0" err="1"/>
-              <a:t>request</a:t>
-            </a:r>
-            <a:endParaRPr lang="nl-NL" dirty="0"/>
-          </a:p>
-        </p:txBody>
-      </p:sp>
-      <p:sp>
-        <p:nvSpPr>
-          <p:cNvPr id="4" name="Tijdelijke aanduiding voor inhoud 2">
-            <a:extLst>
-              <a:ext uri="{FF2B5EF4-FFF2-40B4-BE49-F238E27FC236}">
-                <a16:creationId xmlns:a16="http://schemas.microsoft.com/office/drawing/2014/main" id="{0368F4AA-5697-4824-B202-9514C943BB36}"/>
-              </a:ext>
-            </a:extLst>
-          </p:cNvPr>
-          <p:cNvSpPr>
-            <a:spLocks noGrp="1"/>
-          </p:cNvSpPr>
-          <p:nvPr>
-            <p:ph idx="1"/>
-          </p:nvPr>
-        </p:nvSpPr>
-        <p:spPr>
-          <a:xfrm>
-            <a:off x="1533525" y="3321050"/>
-            <a:ext cx="11287125" cy="4351338"/>
-          </a:xfrm>
-        </p:spPr>
-        <p:txBody>
-          <a:bodyPr>
-            <a:normAutofit/>
-          </a:bodyPr>
-          <a:lstStyle/>
-          <a:p>
-            <a:pPr marL="0" indent="0">
-              <a:buNone/>
-            </a:pPr>
-            <a:r>
-              <a:rPr lang="nl-NL" sz="1800" b="1" dirty="0">
-                <a:latin typeface="Courier New" panose="02070309020205020404" pitchFamily="49" charset="0"/>
-                <a:cs typeface="Courier New" panose="02070309020205020404" pitchFamily="49" charset="0"/>
-              </a:rPr>
-              <a:t>DELETE</a:t>
-            </a:r>
-            <a:r>
-              <a:rPr lang="nl-NL" sz="1800" dirty="0">
-                <a:latin typeface="Courier New" panose="02070309020205020404" pitchFamily="49" charset="0"/>
-                <a:cs typeface="Courier New" panose="02070309020205020404" pitchFamily="49" charset="0"/>
-              </a:rPr>
-              <a:t> https://dataloket.zuid-holland.nl/api/documents/upload/9000168888</a:t>
-            </a:r>
-          </a:p>
-          <a:p>
-            <a:pPr marL="0" indent="0">
-              <a:buNone/>
-            </a:pPr>
-            <a:r>
-              <a:rPr lang="nl-NL" sz="1800" dirty="0">
-                <a:latin typeface="Courier New" panose="02070309020205020404" pitchFamily="49" charset="0"/>
-                <a:cs typeface="Courier New" panose="02070309020205020404" pitchFamily="49" charset="0"/>
-              </a:rPr>
-              <a:t>Host: dataloket.zuid-holland.nl</a:t>
-            </a:r>
-          </a:p>
-          <a:p>
-            <a:pPr marL="0" indent="0">
-              <a:buNone/>
-            </a:pPr>
-            <a:r>
-              <a:rPr lang="nl-NL" sz="1800" dirty="0">
-                <a:latin typeface="Courier New" panose="02070309020205020404" pitchFamily="49" charset="0"/>
-                <a:cs typeface="Courier New" panose="02070309020205020404" pitchFamily="49" charset="0"/>
-              </a:rPr>
-              <a:t>User-Agent: Mozilla/5.0 (Windows NT 6.3; Win64; x64) ...</a:t>
-            </a:r>
-          </a:p>
-          <a:p>
-            <a:pPr marL="0" indent="0">
-              <a:buNone/>
-            </a:pPr>
-            <a:r>
-              <a:rPr lang="nl-NL" sz="1800" dirty="0" err="1">
-                <a:latin typeface="Courier New" panose="02070309020205020404" pitchFamily="49" charset="0"/>
-                <a:cs typeface="Courier New" panose="02070309020205020404" pitchFamily="49" charset="0"/>
-              </a:rPr>
-              <a:t>Authorization</a:t>
-            </a:r>
-            <a:r>
-              <a:rPr lang="nl-NL" sz="1800" dirty="0">
-                <a:latin typeface="Courier New" panose="02070309020205020404" pitchFamily="49" charset="0"/>
-                <a:cs typeface="Courier New" panose="02070309020205020404" pitchFamily="49" charset="0"/>
-              </a:rPr>
-              <a:t>: </a:t>
-            </a:r>
-            <a:r>
-              <a:rPr lang="nl-NL" sz="1800" dirty="0" err="1">
-                <a:latin typeface="Courier New" panose="02070309020205020404" pitchFamily="49" charset="0"/>
-                <a:cs typeface="Courier New" panose="02070309020205020404" pitchFamily="49" charset="0"/>
-              </a:rPr>
-              <a:t>Bearer</a:t>
-            </a:r>
-            <a:r>
-              <a:rPr lang="nl-NL" sz="1800" dirty="0">
-                <a:latin typeface="Courier New" panose="02070309020205020404" pitchFamily="49" charset="0"/>
-                <a:cs typeface="Courier New" panose="02070309020205020404" pitchFamily="49" charset="0"/>
-              </a:rPr>
-              <a:t> eyJ0eXAiOiJKV1QiLCJhbGciOiJSUzI1NiIs ...</a:t>
-            </a:r>
-          </a:p>
-        </p:txBody>
-      </p:sp>
-      <p:sp>
-        <p:nvSpPr>
-          <p:cNvPr id="8" name="Tekstvak 7">
-            <a:extLst>
-              <a:ext uri="{FF2B5EF4-FFF2-40B4-BE49-F238E27FC236}">
-                <a16:creationId xmlns:a16="http://schemas.microsoft.com/office/drawing/2014/main" id="{434DFD93-CFEF-4A7F-B67D-490E82BBE9F1}"/>
-              </a:ext>
-            </a:extLst>
-          </p:cNvPr>
-          <p:cNvSpPr txBox="1"/>
-          <p:nvPr/>
-        </p:nvSpPr>
-        <p:spPr>
-          <a:xfrm>
-            <a:off x="1114425" y="2363688"/>
-            <a:ext cx="1584408" cy="369332"/>
-          </a:xfrm>
-          <a:prstGeom prst="rect">
-            <a:avLst/>
-          </a:prstGeom>
-          <a:noFill/>
-        </p:spPr>
-        <p:txBody>
-          <a:bodyPr wrap="none" rtlCol="0">
-            <a:spAutoFit/>
-          </a:bodyPr>
-          <a:lstStyle/>
-          <a:p>
-            <a:r>
-              <a:rPr lang="nl-NL" dirty="0"/>
-              <a:t>HTTP methode</a:t>
-            </a:r>
-          </a:p>
-        </p:txBody>
-      </p:sp>
-      <p:sp>
-        <p:nvSpPr>
-          <p:cNvPr id="12" name="Linkeraccolade 11">
-            <a:extLst>
-              <a:ext uri="{FF2B5EF4-FFF2-40B4-BE49-F238E27FC236}">
-                <a16:creationId xmlns:a16="http://schemas.microsoft.com/office/drawing/2014/main" id="{D22AC4AF-DDCA-41AD-A849-05A38ED3FA3C}"/>
-              </a:ext>
-            </a:extLst>
-          </p:cNvPr>
-          <p:cNvSpPr/>
-          <p:nvPr/>
-        </p:nvSpPr>
-        <p:spPr>
-          <a:xfrm rot="5400000">
-            <a:off x="6787037" y="-1337787"/>
-            <a:ext cx="494469" cy="8924805"/>
-          </a:xfrm>
-          <a:prstGeom prst="leftBrace">
-            <a:avLst/>
-          </a:prstGeom>
-          <a:ln>
-            <a:solidFill>
-              <a:schemeClr val="tx1"/>
-            </a:solidFill>
-          </a:ln>
-        </p:spPr>
-        <p:style>
-          <a:lnRef idx="1">
-            <a:schemeClr val="accent1"/>
-          </a:lnRef>
-          <a:fillRef idx="0">
-            <a:schemeClr val="accent1"/>
-          </a:fillRef>
-          <a:effectRef idx="0">
-            <a:schemeClr val="accent1"/>
-          </a:effectRef>
-          <a:fontRef idx="minor">
-            <a:schemeClr val="tx1"/>
-          </a:fontRef>
-        </p:style>
-        <p:txBody>
-          <a:bodyPr rtlCol="0" anchor="ctr"/>
-          <a:lstStyle/>
-          <a:p>
-            <a:pPr algn="ctr"/>
-            <a:endParaRPr lang="nl-NL"/>
-          </a:p>
-        </p:txBody>
-      </p:sp>
-      <p:sp>
-        <p:nvSpPr>
-          <p:cNvPr id="16" name="Tekstvak 15">
-            <a:extLst>
-              <a:ext uri="{FF2B5EF4-FFF2-40B4-BE49-F238E27FC236}">
-                <a16:creationId xmlns:a16="http://schemas.microsoft.com/office/drawing/2014/main" id="{18FA86F7-46AE-4E40-9310-1F44EA996208}"/>
-              </a:ext>
-            </a:extLst>
-          </p:cNvPr>
-          <p:cNvSpPr txBox="1"/>
-          <p:nvPr/>
-        </p:nvSpPr>
-        <p:spPr>
-          <a:xfrm>
-            <a:off x="5357062" y="2370277"/>
-            <a:ext cx="3789564" cy="369332"/>
-          </a:xfrm>
-          <a:prstGeom prst="rect">
-            <a:avLst/>
-          </a:prstGeom>
-          <a:noFill/>
-        </p:spPr>
-        <p:txBody>
-          <a:bodyPr wrap="none" rtlCol="0">
-            <a:spAutoFit/>
-          </a:bodyPr>
-          <a:lstStyle/>
-          <a:p>
-            <a:r>
-              <a:rPr lang="nl-NL" dirty="0"/>
-              <a:t>Pad naar de resource op de webserver</a:t>
-            </a:r>
-          </a:p>
-        </p:txBody>
-      </p:sp>
-      <p:sp>
-        <p:nvSpPr>
-          <p:cNvPr id="19" name="Linkeraccolade 18">
-            <a:extLst>
-              <a:ext uri="{FF2B5EF4-FFF2-40B4-BE49-F238E27FC236}">
-                <a16:creationId xmlns:a16="http://schemas.microsoft.com/office/drawing/2014/main" id="{EF9C99DF-C571-420A-A09C-589BED54409D}"/>
-              </a:ext>
-            </a:extLst>
-          </p:cNvPr>
-          <p:cNvSpPr/>
-          <p:nvPr/>
-        </p:nvSpPr>
-        <p:spPr>
-          <a:xfrm>
-            <a:off x="1105731" y="3667602"/>
-            <a:ext cx="494469" cy="1124129"/>
-          </a:xfrm>
-          <a:prstGeom prst="leftBrace">
-            <a:avLst/>
-          </a:prstGeom>
-          <a:ln>
-            <a:solidFill>
-              <a:schemeClr val="tx1"/>
-            </a:solidFill>
-          </a:ln>
-        </p:spPr>
-        <p:style>
-          <a:lnRef idx="1">
-            <a:schemeClr val="accent1"/>
-          </a:lnRef>
-          <a:fillRef idx="0">
-            <a:schemeClr val="accent1"/>
-          </a:fillRef>
-          <a:effectRef idx="0">
-            <a:schemeClr val="accent1"/>
-          </a:effectRef>
-          <a:fontRef idx="minor">
-            <a:schemeClr val="tx1"/>
-          </a:fontRef>
-        </p:style>
-        <p:txBody>
-          <a:bodyPr rtlCol="0" anchor="ctr"/>
-          <a:lstStyle/>
-          <a:p>
-            <a:pPr algn="ctr"/>
-            <a:endParaRPr lang="nl-NL"/>
-          </a:p>
-        </p:txBody>
-      </p:sp>
-      <p:sp>
-        <p:nvSpPr>
-          <p:cNvPr id="20" name="Tekstvak 19">
-            <a:extLst>
-              <a:ext uri="{FF2B5EF4-FFF2-40B4-BE49-F238E27FC236}">
-                <a16:creationId xmlns:a16="http://schemas.microsoft.com/office/drawing/2014/main" id="{4C979A3D-EF54-4900-A55B-FDDFA0CCCA90}"/>
-              </a:ext>
-            </a:extLst>
-          </p:cNvPr>
-          <p:cNvSpPr txBox="1"/>
-          <p:nvPr/>
-        </p:nvSpPr>
-        <p:spPr>
-          <a:xfrm>
-            <a:off x="236496" y="4045000"/>
-            <a:ext cx="872355" cy="369332"/>
-          </a:xfrm>
-          <a:prstGeom prst="rect">
-            <a:avLst/>
-          </a:prstGeom>
-          <a:noFill/>
-        </p:spPr>
-        <p:txBody>
-          <a:bodyPr wrap="none" rtlCol="0">
-            <a:spAutoFit/>
-          </a:bodyPr>
-          <a:lstStyle/>
-          <a:p>
-            <a:r>
-              <a:rPr lang="nl-NL" dirty="0"/>
-              <a:t>Header</a:t>
-            </a:r>
-          </a:p>
-        </p:txBody>
-      </p:sp>
-      <p:cxnSp>
-        <p:nvCxnSpPr>
-          <p:cNvPr id="14" name="Rechte verbindingslijn met pijl 13">
-            <a:extLst>
-              <a:ext uri="{FF2B5EF4-FFF2-40B4-BE49-F238E27FC236}">
-                <a16:creationId xmlns:a16="http://schemas.microsoft.com/office/drawing/2014/main" id="{C948E96F-1E88-4A4B-907B-860C2BA122C4}"/>
-              </a:ext>
-            </a:extLst>
-          </p:cNvPr>
-          <p:cNvCxnSpPr>
-            <a:cxnSpLocks/>
-            <a:stCxn id="8" idx="2"/>
-          </p:cNvCxnSpPr>
-          <p:nvPr/>
-        </p:nvCxnSpPr>
-        <p:spPr>
-          <a:xfrm>
-            <a:off x="1906629" y="2733020"/>
-            <a:ext cx="0" cy="588030"/>
-          </a:xfrm>
-          <a:prstGeom prst="straightConnector1">
-            <a:avLst/>
-          </a:prstGeom>
-          <a:ln>
-            <a:solidFill>
-              <a:schemeClr val="tx1"/>
-            </a:solidFill>
-            <a:tailEnd type="triangle"/>
-          </a:ln>
-        </p:spPr>
-        <p:style>
-          <a:lnRef idx="1">
-            <a:schemeClr val="accent1"/>
-          </a:lnRef>
-          <a:fillRef idx="0">
-            <a:schemeClr val="accent1"/>
-          </a:fillRef>
-          <a:effectRef idx="0">
-            <a:schemeClr val="accent1"/>
-          </a:effectRef>
-          <a:fontRef idx="minor">
-            <a:schemeClr val="tx1"/>
-          </a:fontRef>
-        </p:style>
-      </p:cxnSp>
-    </p:spTree>
-    <p:extLst>
-      <p:ext uri="{BB962C8B-B14F-4D97-AF65-F5344CB8AC3E}">
-        <p14:creationId xmlns:p14="http://schemas.microsoft.com/office/powerpoint/2010/main" val="1859989641"/>
-      </p:ext>
-    </p:extLst>
-  </p:cSld>
-  <p:clrMapOvr>
-    <a:masterClrMapping/>
-  </p:clrMapOvr>
-</p:sld>
-</file>
-
-<file path=ppt/slides/slide18.xml><?xml version="1.0" encoding="utf-8"?>
-<p:sld xmlns:a="http://schemas.openxmlformats.org/drawingml/2006/main" xmlns:r="http://schemas.openxmlformats.org/officeDocument/2006/relationships" xmlns:p="http://schemas.openxmlformats.org/presentationml/2006/main">
-  <p:cSld>
-    <p:spTree>
-      <p:nvGrpSpPr>
-        <p:cNvPr id="1" name=""/>
-        <p:cNvGrpSpPr/>
-        <p:nvPr/>
-      </p:nvGrpSpPr>
-      <p:grpSpPr>
-        <a:xfrm>
-          <a:off x="0" y="0"/>
-          <a:ext cx="0" cy="0"/>
-          <a:chOff x="0" y="0"/>
-          <a:chExt cx="0" cy="0"/>
-        </a:xfrm>
-      </p:grpSpPr>
-      <p:sp>
-        <p:nvSpPr>
-          <p:cNvPr id="2" name="Titel 1">
-            <a:extLst>
-              <a:ext uri="{FF2B5EF4-FFF2-40B4-BE49-F238E27FC236}">
-                <a16:creationId xmlns:a16="http://schemas.microsoft.com/office/drawing/2014/main" id="{17FD53A9-B3BA-408D-9592-2A662EA96652}"/>
-              </a:ext>
-            </a:extLst>
-          </p:cNvPr>
-          <p:cNvSpPr>
-            <a:spLocks noGrp="1"/>
-          </p:cNvSpPr>
-          <p:nvPr>
-            <p:ph type="title"/>
-          </p:nvPr>
-        </p:nvSpPr>
-        <p:spPr/>
-        <p:txBody>
-          <a:bodyPr/>
-          <a:lstStyle/>
-          <a:p>
-            <a:endParaRPr lang="nl-NL"/>
-          </a:p>
-        </p:txBody>
-      </p:sp>
-      <p:sp>
-        <p:nvSpPr>
-          <p:cNvPr id="3" name="Tijdelijke aanduiding voor inhoud 2">
-            <a:extLst>
-              <a:ext uri="{FF2B5EF4-FFF2-40B4-BE49-F238E27FC236}">
-                <a16:creationId xmlns:a16="http://schemas.microsoft.com/office/drawing/2014/main" id="{ADC668C2-18D7-4594-9FCD-1EFF0D2E453E}"/>
-              </a:ext>
-            </a:extLst>
-          </p:cNvPr>
-          <p:cNvSpPr>
-            <a:spLocks noGrp="1"/>
-          </p:cNvSpPr>
-          <p:nvPr>
-            <p:ph idx="1"/>
-          </p:nvPr>
-        </p:nvSpPr>
-        <p:spPr/>
-        <p:txBody>
-          <a:bodyPr/>
-          <a:lstStyle/>
-          <a:p>
-            <a:endParaRPr lang="nl-NL"/>
-          </a:p>
-        </p:txBody>
-      </p:sp>
-    </p:spTree>
-    <p:extLst>
-      <p:ext uri="{BB962C8B-B14F-4D97-AF65-F5344CB8AC3E}">
-        <p14:creationId xmlns:p14="http://schemas.microsoft.com/office/powerpoint/2010/main" val="1335401767"/>
       </p:ext>
     </p:extLst>
   </p:cSld>
@@ -6768,27 +5916,7 @@
             </a:r>
             <a:r>
               <a:rPr lang="nl-NL" dirty="0"/>
-              <a:t> (Willy)</a:t>
-            </a:r>
-          </a:p>
-          <a:p>
-            <a:r>
-              <a:rPr lang="nl-NL" dirty="0"/>
-              <a:t>Vernieuwde data warehouse &amp; </a:t>
-            </a:r>
-            <a:r>
-              <a:rPr lang="nl-NL" dirty="0" err="1"/>
-              <a:t>API’s</a:t>
-            </a:r>
-            <a:r>
-              <a:rPr lang="nl-NL" dirty="0"/>
-              <a:t> (Kevin) </a:t>
-            </a:r>
-          </a:p>
-          <a:p>
-            <a:r>
-              <a:rPr lang="nl-NL" dirty="0"/>
-              <a:t>Technische uitleg (Willy)</a:t>
+              <a:t> </a:t>
             </a:r>
           </a:p>
           <a:p>
@@ -6824,14 +5952,18 @@
             <a:pPr lvl="1"/>
             <a:r>
               <a:rPr lang="nl-NL" dirty="0"/>
-              <a:t>PDOK REST API</a:t>
+              <a:t>CKAN API</a:t>
             </a:r>
           </a:p>
           <a:p>
             <a:pPr lvl="1"/>
             <a:r>
-              <a:rPr lang="nl-NL" dirty="0"/>
-              <a:t>Dataloket API</a:t>
+              <a:rPr lang="nl-NL" dirty="0" err="1"/>
+              <a:t>NotuBiz</a:t>
+            </a:r>
+            <a:r>
+              <a:rPr lang="nl-NL" dirty="0"/>
+              <a:t> API</a:t>
             </a:r>
           </a:p>
         </p:txBody>
@@ -7876,6 +7008,24 @@
             <a:r>
               <a:rPr lang="nl-NL" dirty="0"/>
               <a:t> API vindt uitwisseling plaats via het web (HTTP protocol)</a:t>
+            </a:r>
+          </a:p>
+          <a:p>
+            <a:r>
+              <a:rPr lang="nl-NL" dirty="0"/>
+              <a:t>Bij een </a:t>
+            </a:r>
+            <a:r>
+              <a:rPr lang="nl-NL" i="1" dirty="0" err="1"/>
+              <a:t>request</a:t>
+            </a:r>
+            <a:r>
+              <a:rPr lang="nl-NL" i="1" dirty="0"/>
+              <a:t>-response</a:t>
+            </a:r>
+            <a:r>
+              <a:rPr lang="nl-NL" dirty="0"/>
+              <a:t> web API bestaat de communicatie uit een vraag en antwoord</a:t>
             </a:r>
             <a:br>
               <a:rPr lang="nl-NL" dirty="0"/>
